--- a/[PJT_XYX] Spatial groups and cyclic oscillations/figs/CenterEps.pptx
+++ b/[PJT_XYX] Spatial groups and cyclic oscillations/figs/CenterEps.pptx
@@ -251,7 +251,7 @@
           <a:p>
             <a:fld id="{778A1FB5-E441-4CC8-9AB4-4F41686E16B7}" type="datetimeFigureOut">
               <a:rPr lang="zh-CN" altLang="en-US" smtClean="0"/>
-              <a:t>2023/12/2</a:t>
+              <a:t>2024/3/16</a:t>
             </a:fld>
             <a:endParaRPr lang="zh-CN" altLang="en-US"/>
           </a:p>
@@ -421,7 +421,7 @@
           <a:p>
             <a:fld id="{778A1FB5-E441-4CC8-9AB4-4F41686E16B7}" type="datetimeFigureOut">
               <a:rPr lang="zh-CN" altLang="en-US" smtClean="0"/>
-              <a:t>2023/12/2</a:t>
+              <a:t>2024/3/16</a:t>
             </a:fld>
             <a:endParaRPr lang="zh-CN" altLang="en-US"/>
           </a:p>
@@ -601,7 +601,7 @@
           <a:p>
             <a:fld id="{778A1FB5-E441-4CC8-9AB4-4F41686E16B7}" type="datetimeFigureOut">
               <a:rPr lang="zh-CN" altLang="en-US" smtClean="0"/>
-              <a:t>2023/12/2</a:t>
+              <a:t>2024/3/16</a:t>
             </a:fld>
             <a:endParaRPr lang="zh-CN" altLang="en-US"/>
           </a:p>
@@ -771,7 +771,7 @@
           <a:p>
             <a:fld id="{778A1FB5-E441-4CC8-9AB4-4F41686E16B7}" type="datetimeFigureOut">
               <a:rPr lang="zh-CN" altLang="en-US" smtClean="0"/>
-              <a:t>2023/12/2</a:t>
+              <a:t>2024/3/16</a:t>
             </a:fld>
             <a:endParaRPr lang="zh-CN" altLang="en-US"/>
           </a:p>
@@ -1015,7 +1015,7 @@
           <a:p>
             <a:fld id="{778A1FB5-E441-4CC8-9AB4-4F41686E16B7}" type="datetimeFigureOut">
               <a:rPr lang="zh-CN" altLang="en-US" smtClean="0"/>
-              <a:t>2023/12/2</a:t>
+              <a:t>2024/3/16</a:t>
             </a:fld>
             <a:endParaRPr lang="zh-CN" altLang="en-US"/>
           </a:p>
@@ -1247,7 +1247,7 @@
           <a:p>
             <a:fld id="{778A1FB5-E441-4CC8-9AB4-4F41686E16B7}" type="datetimeFigureOut">
               <a:rPr lang="zh-CN" altLang="en-US" smtClean="0"/>
-              <a:t>2023/12/2</a:t>
+              <a:t>2024/3/16</a:t>
             </a:fld>
             <a:endParaRPr lang="zh-CN" altLang="en-US"/>
           </a:p>
@@ -1614,7 +1614,7 @@
           <a:p>
             <a:fld id="{778A1FB5-E441-4CC8-9AB4-4F41686E16B7}" type="datetimeFigureOut">
               <a:rPr lang="zh-CN" altLang="en-US" smtClean="0"/>
-              <a:t>2023/12/2</a:t>
+              <a:t>2024/3/16</a:t>
             </a:fld>
             <a:endParaRPr lang="zh-CN" altLang="en-US"/>
           </a:p>
@@ -1732,7 +1732,7 @@
           <a:p>
             <a:fld id="{778A1FB5-E441-4CC8-9AB4-4F41686E16B7}" type="datetimeFigureOut">
               <a:rPr lang="zh-CN" altLang="en-US" smtClean="0"/>
-              <a:t>2023/12/2</a:t>
+              <a:t>2024/3/16</a:t>
             </a:fld>
             <a:endParaRPr lang="zh-CN" altLang="en-US"/>
           </a:p>
@@ -1827,7 +1827,7 @@
           <a:p>
             <a:fld id="{778A1FB5-E441-4CC8-9AB4-4F41686E16B7}" type="datetimeFigureOut">
               <a:rPr lang="zh-CN" altLang="en-US" smtClean="0"/>
-              <a:t>2023/12/2</a:t>
+              <a:t>2024/3/16</a:t>
             </a:fld>
             <a:endParaRPr lang="zh-CN" altLang="en-US"/>
           </a:p>
@@ -2104,7 +2104,7 @@
           <a:p>
             <a:fld id="{778A1FB5-E441-4CC8-9AB4-4F41686E16B7}" type="datetimeFigureOut">
               <a:rPr lang="zh-CN" altLang="en-US" smtClean="0"/>
-              <a:t>2023/12/2</a:t>
+              <a:t>2024/3/16</a:t>
             </a:fld>
             <a:endParaRPr lang="zh-CN" altLang="en-US"/>
           </a:p>
@@ -2361,7 +2361,7 @@
           <a:p>
             <a:fld id="{778A1FB5-E441-4CC8-9AB4-4F41686E16B7}" type="datetimeFigureOut">
               <a:rPr lang="zh-CN" altLang="en-US" smtClean="0"/>
-              <a:t>2023/12/2</a:t>
+              <a:t>2024/3/16</a:t>
             </a:fld>
             <a:endParaRPr lang="zh-CN" altLang="en-US"/>
           </a:p>
@@ -2574,7 +2574,7 @@
           <a:p>
             <a:fld id="{778A1FB5-E441-4CC8-9AB4-4F41686E16B7}" type="datetimeFigureOut">
               <a:rPr lang="zh-CN" altLang="en-US" smtClean="0"/>
-              <a:t>2023/12/2</a:t>
+              <a:t>2024/3/16</a:t>
             </a:fld>
             <a:endParaRPr lang="zh-CN" altLang="en-US"/>
           </a:p>
@@ -3431,25 +3431,25 @@
           <p:nvPr>
             <p:extLst>
               <p:ext uri="{D42A27DB-BD31-4B8C-83A1-F6EECF244321}">
-                <p14:modId xmlns:p14="http://schemas.microsoft.com/office/powerpoint/2010/main" val="2586248056"/>
+                <p14:modId xmlns:p14="http://schemas.microsoft.com/office/powerpoint/2010/main" val="322066323"/>
               </p:ext>
             </p:extLst>
           </p:nvPr>
         </p:nvGraphicFramePr>
         <p:xfrm>
-          <a:off x="4914900" y="383524"/>
-          <a:ext cx="1196975" cy="695325"/>
+          <a:off x="4943475" y="384175"/>
+          <a:ext cx="1138238" cy="695325"/>
         </p:xfrm>
         <a:graphic>
           <a:graphicData uri="http://schemas.openxmlformats.org/presentationml/2006/ole">
             <mc:AlternateContent xmlns:mc="http://schemas.openxmlformats.org/markup-compatibility/2006">
               <mc:Choice xmlns:v="urn:schemas-microsoft-com:vml" Requires="v">
-                <p:oleObj name="AxMath" r:id="rId2" imgW="1197720" imgH="694800" progId="Equation.AxMath">
+                <p:oleObj name="AxMath" r:id="rId2" imgW="1137600" imgH="694800" progId="Equation.AxMath">
                   <p:embed/>
                 </p:oleObj>
               </mc:Choice>
               <mc:Fallback>
-                <p:oleObj name="AxMath" r:id="rId2" imgW="1197720" imgH="694800" progId="Equation.AxMath">
+                <p:oleObj name="AxMath" r:id="rId2" imgW="1137600" imgH="694800" progId="Equation.AxMath">
                   <p:embed/>
                   <p:pic>
                     <p:nvPicPr>
@@ -3471,8 +3471,8 @@
                     </p:blipFill>
                     <p:spPr>
                       <a:xfrm>
-                        <a:off x="4914900" y="383524"/>
-                        <a:ext cx="1196975" cy="695325"/>
+                        <a:off x="4943475" y="384175"/>
+                        <a:ext cx="1138238" cy="695325"/>
                       </a:xfrm>
                       <a:prstGeom prst="rect">
                         <a:avLst/>
@@ -3500,25 +3500,25 @@
           <p:nvPr>
             <p:extLst>
               <p:ext uri="{D42A27DB-BD31-4B8C-83A1-F6EECF244321}">
-                <p14:modId xmlns:p14="http://schemas.microsoft.com/office/powerpoint/2010/main" val="1753376232"/>
+                <p14:modId xmlns:p14="http://schemas.microsoft.com/office/powerpoint/2010/main" val="2769878843"/>
               </p:ext>
             </p:extLst>
           </p:nvPr>
         </p:nvGraphicFramePr>
         <p:xfrm>
-          <a:off x="7743825" y="4133850"/>
-          <a:ext cx="1217613" cy="695325"/>
+          <a:off x="7772400" y="4133850"/>
+          <a:ext cx="1158875" cy="695325"/>
         </p:xfrm>
         <a:graphic>
           <a:graphicData uri="http://schemas.openxmlformats.org/presentationml/2006/ole">
             <mc:AlternateContent xmlns:mc="http://schemas.openxmlformats.org/markup-compatibility/2006">
               <mc:Choice xmlns:v="urn:schemas-microsoft-com:vml" Requires="v">
-                <p:oleObj name="AxMath" r:id="rId4" imgW="1218240" imgH="694800" progId="Equation.AxMath">
+                <p:oleObj name="AxMath" r:id="rId4" imgW="1158480" imgH="694800" progId="Equation.AxMath">
                   <p:embed/>
                 </p:oleObj>
               </mc:Choice>
               <mc:Fallback>
-                <p:oleObj name="AxMath" r:id="rId4" imgW="1218240" imgH="694800" progId="Equation.AxMath">
+                <p:oleObj name="AxMath" r:id="rId4" imgW="1158480" imgH="694800" progId="Equation.AxMath">
                   <p:embed/>
                   <p:pic>
                     <p:nvPicPr>
@@ -3540,8 +3540,8 @@
                     </p:blipFill>
                     <p:spPr>
                       <a:xfrm>
-                        <a:off x="7743825" y="4133850"/>
-                        <a:ext cx="1217613" cy="695325"/>
+                        <a:off x="7772400" y="4133850"/>
+                        <a:ext cx="1158875" cy="695325"/>
                       </a:xfrm>
                       <a:prstGeom prst="rect">
                         <a:avLst/>
@@ -3638,25 +3638,25 @@
           <p:nvPr>
             <p:extLst>
               <p:ext uri="{D42A27DB-BD31-4B8C-83A1-F6EECF244321}">
-                <p14:modId xmlns:p14="http://schemas.microsoft.com/office/powerpoint/2010/main" val="4039822906"/>
+                <p14:modId xmlns:p14="http://schemas.microsoft.com/office/powerpoint/2010/main" val="2320104097"/>
               </p:ext>
             </p:extLst>
           </p:nvPr>
         </p:nvGraphicFramePr>
         <p:xfrm>
-          <a:off x="2372517" y="159402"/>
-          <a:ext cx="1236663" cy="695325"/>
+          <a:off x="2452688" y="158750"/>
+          <a:ext cx="1074737" cy="695325"/>
         </p:xfrm>
         <a:graphic>
           <a:graphicData uri="http://schemas.openxmlformats.org/presentationml/2006/ole">
             <mc:AlternateContent xmlns:mc="http://schemas.openxmlformats.org/markup-compatibility/2006">
               <mc:Choice xmlns:v="urn:schemas-microsoft-com:vml" Requires="v">
-                <p:oleObj name="AxMath" r:id="rId8" imgW="1236240" imgH="694800" progId="Equation.AxMath">
+                <p:oleObj name="AxMath" r:id="rId8" imgW="1074960" imgH="694800" progId="Equation.AxMath">
                   <p:embed/>
                 </p:oleObj>
               </mc:Choice>
               <mc:Fallback>
-                <p:oleObj name="AxMath" r:id="rId8" imgW="1236240" imgH="694800" progId="Equation.AxMath">
+                <p:oleObj name="AxMath" r:id="rId8" imgW="1074960" imgH="694800" progId="Equation.AxMath">
                   <p:embed/>
                   <p:pic>
                     <p:nvPicPr>
@@ -3678,8 +3678,8 @@
                     </p:blipFill>
                     <p:spPr>
                       <a:xfrm>
-                        <a:off x="2372517" y="159402"/>
-                        <a:ext cx="1236663" cy="695325"/>
+                        <a:off x="2452688" y="158750"/>
+                        <a:ext cx="1074737" cy="695325"/>
                       </a:xfrm>
                       <a:prstGeom prst="rect">
                         <a:avLst/>
@@ -3707,25 +3707,25 @@
           <p:nvPr>
             <p:extLst>
               <p:ext uri="{D42A27DB-BD31-4B8C-83A1-F6EECF244321}">
-                <p14:modId xmlns:p14="http://schemas.microsoft.com/office/powerpoint/2010/main" val="3624813529"/>
+                <p14:modId xmlns:p14="http://schemas.microsoft.com/office/powerpoint/2010/main" val="2466630039"/>
               </p:ext>
             </p:extLst>
           </p:nvPr>
         </p:nvGraphicFramePr>
         <p:xfrm>
-          <a:off x="7310438" y="2833688"/>
-          <a:ext cx="1257300" cy="695325"/>
+          <a:off x="7391400" y="2833688"/>
+          <a:ext cx="1095375" cy="695325"/>
         </p:xfrm>
         <a:graphic>
           <a:graphicData uri="http://schemas.openxmlformats.org/presentationml/2006/ole">
             <mc:AlternateContent xmlns:mc="http://schemas.openxmlformats.org/markup-compatibility/2006">
               <mc:Choice xmlns:v="urn:schemas-microsoft-com:vml" Requires="v">
-                <p:oleObj name="AxMath" r:id="rId10" imgW="1257120" imgH="694800" progId="Equation.AxMath">
+                <p:oleObj name="AxMath" r:id="rId10" imgW="1095840" imgH="694800" progId="Equation.AxMath">
                   <p:embed/>
                 </p:oleObj>
               </mc:Choice>
               <mc:Fallback>
-                <p:oleObj name="AxMath" r:id="rId10" imgW="1257120" imgH="694800" progId="Equation.AxMath">
+                <p:oleObj name="AxMath" r:id="rId10" imgW="1095840" imgH="694800" progId="Equation.AxMath">
                   <p:embed/>
                   <p:pic>
                     <p:nvPicPr>
@@ -3747,8 +3747,8 @@
                     </p:blipFill>
                     <p:spPr>
                       <a:xfrm>
-                        <a:off x="7310438" y="2833688"/>
-                        <a:ext cx="1257300" cy="695325"/>
+                        <a:off x="7391400" y="2833688"/>
+                        <a:ext cx="1095375" cy="695325"/>
                       </a:xfrm>
                       <a:prstGeom prst="rect">
                         <a:avLst/>
@@ -3776,25 +3776,25 @@
           <p:nvPr>
             <p:extLst>
               <p:ext uri="{D42A27DB-BD31-4B8C-83A1-F6EECF244321}">
-                <p14:modId xmlns:p14="http://schemas.microsoft.com/office/powerpoint/2010/main" val="2704890729"/>
+                <p14:modId xmlns:p14="http://schemas.microsoft.com/office/powerpoint/2010/main" val="3083033200"/>
               </p:ext>
             </p:extLst>
           </p:nvPr>
         </p:nvGraphicFramePr>
         <p:xfrm>
-          <a:off x="1504551" y="4795837"/>
-          <a:ext cx="1196975" cy="695325"/>
+          <a:off x="1557338" y="4795838"/>
+          <a:ext cx="1092200" cy="695325"/>
         </p:xfrm>
         <a:graphic>
           <a:graphicData uri="http://schemas.openxmlformats.org/presentationml/2006/ole">
             <mc:AlternateContent xmlns:mc="http://schemas.openxmlformats.org/markup-compatibility/2006">
               <mc:Choice xmlns:v="urn:schemas-microsoft-com:vml" Requires="v">
-                <p:oleObj name="AxMath" r:id="rId12" imgW="1196280" imgH="694800" progId="Equation.AxMath">
+                <p:oleObj name="AxMath" r:id="rId12" imgW="1091880" imgH="694800" progId="Equation.AxMath">
                   <p:embed/>
                 </p:oleObj>
               </mc:Choice>
               <mc:Fallback>
-                <p:oleObj name="AxMath" r:id="rId12" imgW="1196280" imgH="694800" progId="Equation.AxMath">
+                <p:oleObj name="AxMath" r:id="rId12" imgW="1091880" imgH="694800" progId="Equation.AxMath">
                   <p:embed/>
                   <p:pic>
                     <p:nvPicPr>
@@ -3816,8 +3816,8 @@
                     </p:blipFill>
                     <p:spPr>
                       <a:xfrm>
-                        <a:off x="1504551" y="4795837"/>
-                        <a:ext cx="1196975" cy="695325"/>
+                        <a:off x="1557338" y="4795838"/>
+                        <a:ext cx="1092200" cy="695325"/>
                       </a:xfrm>
                       <a:prstGeom prst="rect">
                         <a:avLst/>
